--- a/ch01_introduction/figures/tasks.pptx
+++ b/ch01_introduction/figures/tasks.pptx
@@ -104,6 +104,17 @@
       </a:defRPr>
     </a:lvl9pPr>
   </p:defaultTextStyle>
+  <p:extLst>
+    <p:ext uri="{EFAFB233-063F-42B5-8137-9DF3F51BA10A}">
+      <p15:sldGuideLst xmlns:p15="http://schemas.microsoft.com/office/powerpoint/2012/main">
+        <p15:guide id="1" orient="horz" pos="3833">
+          <p15:clr>
+            <a:srgbClr val="A4A3A4"/>
+          </p15:clr>
+        </p15:guide>
+      </p15:sldGuideLst>
+    </p:ext>
+  </p:extLst>
 </p:presentation>
 </file>
 
@@ -288,7 +299,7 @@
           <a:p>
             <a:fld id="{C1FBB7E8-A101-B947-BF20-A3D34C497143}" type="datetimeFigureOut">
               <a:rPr lang="en-US" smtClean="0"/>
-              <a:t>7/20/16</a:t>
+              <a:t>9/18/16</a:t>
             </a:fld>
             <a:endParaRPr lang="en-US"/>
           </a:p>
@@ -458,7 +469,7 @@
           <a:p>
             <a:fld id="{C1FBB7E8-A101-B947-BF20-A3D34C497143}" type="datetimeFigureOut">
               <a:rPr lang="en-US" smtClean="0"/>
-              <a:t>7/20/16</a:t>
+              <a:t>9/18/16</a:t>
             </a:fld>
             <a:endParaRPr lang="en-US"/>
           </a:p>
@@ -638,7 +649,7 @@
           <a:p>
             <a:fld id="{C1FBB7E8-A101-B947-BF20-A3D34C497143}" type="datetimeFigureOut">
               <a:rPr lang="en-US" smtClean="0"/>
-              <a:t>7/20/16</a:t>
+              <a:t>9/18/16</a:t>
             </a:fld>
             <a:endParaRPr lang="en-US"/>
           </a:p>
@@ -808,7 +819,7 @@
           <a:p>
             <a:fld id="{C1FBB7E8-A101-B947-BF20-A3D34C497143}" type="datetimeFigureOut">
               <a:rPr lang="en-US" smtClean="0"/>
-              <a:t>7/20/16</a:t>
+              <a:t>9/18/16</a:t>
             </a:fld>
             <a:endParaRPr lang="en-US"/>
           </a:p>
@@ -1054,7 +1065,7 @@
           <a:p>
             <a:fld id="{C1FBB7E8-A101-B947-BF20-A3D34C497143}" type="datetimeFigureOut">
               <a:rPr lang="en-US" smtClean="0"/>
-              <a:t>7/20/16</a:t>
+              <a:t>9/18/16</a:t>
             </a:fld>
             <a:endParaRPr lang="en-US"/>
           </a:p>
@@ -1342,7 +1353,7 @@
           <a:p>
             <a:fld id="{C1FBB7E8-A101-B947-BF20-A3D34C497143}" type="datetimeFigureOut">
               <a:rPr lang="en-US" smtClean="0"/>
-              <a:t>7/20/16</a:t>
+              <a:t>9/18/16</a:t>
             </a:fld>
             <a:endParaRPr lang="en-US"/>
           </a:p>
@@ -1764,7 +1775,7 @@
           <a:p>
             <a:fld id="{C1FBB7E8-A101-B947-BF20-A3D34C497143}" type="datetimeFigureOut">
               <a:rPr lang="en-US" smtClean="0"/>
-              <a:t>7/20/16</a:t>
+              <a:t>9/18/16</a:t>
             </a:fld>
             <a:endParaRPr lang="en-US"/>
           </a:p>
@@ -1882,7 +1893,7 @@
           <a:p>
             <a:fld id="{C1FBB7E8-A101-B947-BF20-A3D34C497143}" type="datetimeFigureOut">
               <a:rPr lang="en-US" smtClean="0"/>
-              <a:t>7/20/16</a:t>
+              <a:t>9/18/16</a:t>
             </a:fld>
             <a:endParaRPr lang="en-US"/>
           </a:p>
@@ -1977,7 +1988,7 @@
           <a:p>
             <a:fld id="{C1FBB7E8-A101-B947-BF20-A3D34C497143}" type="datetimeFigureOut">
               <a:rPr lang="en-US" smtClean="0"/>
-              <a:t>7/20/16</a:t>
+              <a:t>9/18/16</a:t>
             </a:fld>
             <a:endParaRPr lang="en-US"/>
           </a:p>
@@ -2254,7 +2265,7 @@
           <a:p>
             <a:fld id="{C1FBB7E8-A101-B947-BF20-A3D34C497143}" type="datetimeFigureOut">
               <a:rPr lang="en-US" smtClean="0"/>
-              <a:t>7/20/16</a:t>
+              <a:t>9/18/16</a:t>
             </a:fld>
             <a:endParaRPr lang="en-US"/>
           </a:p>
@@ -2507,7 +2518,7 @@
           <a:p>
             <a:fld id="{C1FBB7E8-A101-B947-BF20-A3D34C497143}" type="datetimeFigureOut">
               <a:rPr lang="en-US" smtClean="0"/>
-              <a:t>7/20/16</a:t>
+              <a:t>9/18/16</a:t>
             </a:fld>
             <a:endParaRPr lang="en-US"/>
           </a:p>
@@ -2720,7 +2731,7 @@
           <a:p>
             <a:fld id="{C1FBB7E8-A101-B947-BF20-A3D34C497143}" type="datetimeFigureOut">
               <a:rPr lang="en-US" smtClean="0"/>
-              <a:t>7/20/16</a:t>
+              <a:t>9/18/16</a:t>
             </a:fld>
             <a:endParaRPr lang="en-US"/>
           </a:p>
@@ -3103,7 +3114,7 @@
         </p:nvSpPr>
         <p:spPr>
           <a:xfrm>
-            <a:off x="2934229" y="6350167"/>
+            <a:off x="2691651" y="6377356"/>
             <a:ext cx="3868188" cy="369332"/>
           </a:xfrm>
           <a:prstGeom prst="rect">
@@ -3147,7 +3158,7 @@
         </p:nvSpPr>
         <p:spPr>
           <a:xfrm>
-            <a:off x="2750122" y="1698680"/>
+            <a:off x="2547943" y="1734497"/>
             <a:ext cx="3093675" cy="369332"/>
           </a:xfrm>
           <a:prstGeom prst="rect">
@@ -3197,8 +3208,8 @@
         </p:nvSpPr>
         <p:spPr>
           <a:xfrm>
-            <a:off x="2808436" y="3209298"/>
-            <a:ext cx="1700218" cy="1392585"/>
+            <a:off x="2984186" y="3507905"/>
+            <a:ext cx="1333814" cy="666301"/>
           </a:xfrm>
           <a:prstGeom prst="roundRect">
             <a:avLst/>
@@ -3231,13 +3242,13 @@
           <a:p>
             <a:pPr algn="ctr"/>
             <a:r>
-              <a:rPr lang="en-US" sz="2000" dirty="0" smtClean="0">
+              <a:rPr lang="en-US" dirty="0" smtClean="0">
                 <a:latin typeface="Times New Roman"/>
                 <a:cs typeface="Times New Roman"/>
               </a:rPr>
               <a:t>Melodic Description</a:t>
             </a:r>
-            <a:endParaRPr lang="en-US" sz="2000" dirty="0">
+            <a:endParaRPr lang="en-US" dirty="0">
               <a:latin typeface="Times New Roman"/>
               <a:cs typeface="Times New Roman"/>
             </a:endParaRPr>
@@ -3252,7 +3263,7 @@
         </p:nvSpPr>
         <p:spPr>
           <a:xfrm>
-            <a:off x="7212135" y="3923766"/>
+            <a:off x="7105467" y="4108547"/>
             <a:ext cx="588070" cy="382179"/>
           </a:xfrm>
           <a:custGeom>
@@ -3424,7 +3435,7 @@
         </p:nvSpPr>
         <p:spPr>
           <a:xfrm>
-            <a:off x="6352470" y="3883886"/>
+            <a:off x="6245802" y="4068667"/>
             <a:ext cx="496075" cy="461939"/>
           </a:xfrm>
           <a:custGeom>
@@ -3596,7 +3607,7 @@
         </p:nvSpPr>
         <p:spPr>
           <a:xfrm>
-            <a:off x="6210515" y="1540397"/>
+            <a:off x="6075441" y="1411685"/>
             <a:ext cx="698648" cy="476507"/>
           </a:xfrm>
           <a:custGeom>
@@ -3768,7 +3779,7 @@
         </p:nvSpPr>
         <p:spPr>
           <a:xfrm flipV="1">
-            <a:off x="7124295" y="1647916"/>
+            <a:off x="6989221" y="1519204"/>
             <a:ext cx="490577" cy="368988"/>
           </a:xfrm>
           <a:custGeom>
@@ -3940,7 +3951,7 @@
         </p:nvSpPr>
         <p:spPr>
           <a:xfrm>
-            <a:off x="5499417" y="2068012"/>
+            <a:off x="5364343" y="1939300"/>
             <a:ext cx="3093675" cy="369332"/>
           </a:xfrm>
           <a:prstGeom prst="rect">
@@ -4018,7 +4029,7 @@
         </p:nvSpPr>
         <p:spPr>
           <a:xfrm>
-            <a:off x="5956044" y="4398660"/>
+            <a:off x="5849376" y="4583441"/>
             <a:ext cx="2549838" cy="369332"/>
           </a:xfrm>
           <a:prstGeom prst="rect">
@@ -4057,7 +4068,7 @@
         </p:nvSpPr>
         <p:spPr>
           <a:xfrm>
-            <a:off x="5503616" y="5597039"/>
+            <a:off x="5264072" y="5749308"/>
             <a:ext cx="2350800" cy="369332"/>
           </a:xfrm>
           <a:prstGeom prst="rect">
@@ -4100,7 +4111,7 @@
         </p:nvSpPr>
         <p:spPr>
           <a:xfrm>
-            <a:off x="5875598" y="5225448"/>
+            <a:off x="5636054" y="5377717"/>
             <a:ext cx="1732281" cy="371591"/>
           </a:xfrm>
           <a:custGeom>
@@ -4282,8 +4293,8 @@
         </p:nvCxnSpPr>
         <p:spPr>
           <a:xfrm>
-            <a:off x="6013281" y="5072510"/>
-            <a:ext cx="10160" cy="495290"/>
+            <a:off x="5760660" y="5224779"/>
+            <a:ext cx="0" cy="495290"/>
           </a:xfrm>
           <a:prstGeom prst="line">
             <a:avLst/>
@@ -4319,7 +4330,7 @@
         </p:nvSpPr>
         <p:spPr>
           <a:xfrm>
-            <a:off x="3568104" y="5563867"/>
+            <a:off x="3378682" y="5516043"/>
             <a:ext cx="1499792" cy="757064"/>
           </a:xfrm>
           <a:custGeom>
@@ -4571,7 +4582,7 @@
         </p:nvCxnSpPr>
         <p:spPr>
           <a:xfrm>
-            <a:off x="3156545" y="6280401"/>
+            <a:off x="2967123" y="6232577"/>
             <a:ext cx="2053768" cy="0"/>
           </a:xfrm>
           <a:prstGeom prst="line">
@@ -4608,8 +4619,8 @@
         </p:nvCxnSpPr>
         <p:spPr>
           <a:xfrm>
-            <a:off x="6829646" y="5072510"/>
-            <a:ext cx="10160" cy="495290"/>
+            <a:off x="6595427" y="5224779"/>
+            <a:ext cx="5080" cy="495290"/>
           </a:xfrm>
           <a:prstGeom prst="line">
             <a:avLst/>
@@ -4659,7 +4670,7 @@
         </p:blipFill>
         <p:spPr>
           <a:xfrm>
-            <a:off x="2984186" y="607841"/>
+            <a:off x="2696595" y="605700"/>
             <a:ext cx="2374794" cy="1118177"/>
           </a:xfrm>
           <a:prstGeom prst="rect">
@@ -4675,7 +4686,7 @@
         </p:nvSpPr>
         <p:spPr>
           <a:xfrm>
-            <a:off x="6802417" y="4114856"/>
+            <a:off x="6695749" y="4299637"/>
             <a:ext cx="344699" cy="191089"/>
           </a:xfrm>
           <a:prstGeom prst="leftRightArrow">
@@ -4726,7 +4737,7 @@
         </p:nvSpPr>
         <p:spPr>
           <a:xfrm>
-            <a:off x="7722830" y="1726018"/>
+            <a:off x="7587756" y="1597306"/>
             <a:ext cx="94957" cy="291230"/>
           </a:xfrm>
           <a:prstGeom prst="downArrow">
@@ -4777,7 +4788,7 @@
         </p:nvSpPr>
         <p:spPr>
           <a:xfrm rot="10800000">
-            <a:off x="6032638" y="1726018"/>
+            <a:off x="5897564" y="1597306"/>
             <a:ext cx="94957" cy="291230"/>
           </a:xfrm>
           <a:prstGeom prst="downArrow">
@@ -4823,13 +4834,16 @@
       <p:cxnSp>
         <p:nvCxnSpPr>
           <p:cNvPr id="63" name="Straight Arrow Connector 62"/>
-          <p:cNvCxnSpPr/>
+          <p:cNvCxnSpPr>
+            <a:stCxn id="27" idx="0"/>
+            <a:endCxn id="13" idx="2"/>
+          </p:cNvCxnSpPr>
           <p:nvPr/>
         </p:nvCxnSpPr>
         <p:spPr>
           <a:xfrm flipV="1">
-            <a:off x="4032075" y="2181412"/>
-            <a:ext cx="285925" cy="1037636"/>
+            <a:off x="3651093" y="2103829"/>
+            <a:ext cx="443688" cy="1404076"/>
           </a:xfrm>
           <a:prstGeom prst="straightConnector1">
             <a:avLst/>
@@ -4865,13 +4879,15 @@
       <p:cxnSp>
         <p:nvCxnSpPr>
           <p:cNvPr id="66" name="Straight Arrow Connector 65"/>
-          <p:cNvCxnSpPr/>
+          <p:cNvCxnSpPr>
+            <a:stCxn id="27" idx="2"/>
+          </p:cNvCxnSpPr>
           <p:nvPr/>
         </p:nvCxnSpPr>
         <p:spPr>
           <a:xfrm>
-            <a:off x="4032076" y="4601883"/>
-            <a:ext cx="285924" cy="807008"/>
+            <a:off x="3651093" y="4174206"/>
+            <a:ext cx="338117" cy="1160067"/>
           </a:xfrm>
           <a:prstGeom prst="straightConnector1">
             <a:avLst/>
@@ -4912,8 +4928,8 @@
         </p:nvCxnSpPr>
         <p:spPr>
           <a:xfrm flipV="1">
-            <a:off x="4483978" y="2646489"/>
-            <a:ext cx="1019638" cy="701102"/>
+            <a:off x="4287280" y="2344307"/>
+            <a:ext cx="1276514" cy="1202886"/>
           </a:xfrm>
           <a:prstGeom prst="straightConnector1">
             <a:avLst/>
@@ -4954,8 +4970,8 @@
         </p:nvCxnSpPr>
         <p:spPr>
           <a:xfrm flipV="1">
-            <a:off x="4508654" y="3370946"/>
-            <a:ext cx="1252006" cy="369331"/>
+            <a:off x="4329496" y="3370949"/>
+            <a:ext cx="1431164" cy="329182"/>
           </a:xfrm>
           <a:prstGeom prst="straightConnector1">
             <a:avLst/>
@@ -4996,8 +5012,8 @@
         </p:nvCxnSpPr>
         <p:spPr>
           <a:xfrm>
-            <a:off x="4508654" y="4114856"/>
-            <a:ext cx="1252006" cy="191089"/>
+            <a:off x="4318000" y="3972113"/>
+            <a:ext cx="1442660" cy="333832"/>
           </a:xfrm>
           <a:prstGeom prst="straightConnector1">
             <a:avLst/>
@@ -5038,8 +5054,8 @@
         </p:nvCxnSpPr>
         <p:spPr>
           <a:xfrm>
-            <a:off x="4483978" y="4501444"/>
-            <a:ext cx="1019638" cy="571066"/>
+            <a:off x="4271906" y="4144126"/>
+            <a:ext cx="1191851" cy="1080653"/>
           </a:xfrm>
           <a:prstGeom prst="straightConnector1">
             <a:avLst/>
@@ -5099,7 +5115,7 @@
         </p:blipFill>
         <p:spPr>
           <a:xfrm>
-            <a:off x="1451951" y="3466398"/>
+            <a:off x="1536951" y="3417344"/>
             <a:ext cx="848991" cy="914735"/>
           </a:xfrm>
           <a:prstGeom prst="rect">
@@ -5115,7 +5131,7 @@
         </p:nvCxnSpPr>
         <p:spPr>
           <a:xfrm>
-            <a:off x="2345765" y="3923576"/>
+            <a:off x="2489472" y="3852139"/>
             <a:ext cx="404357" cy="0"/>
           </a:xfrm>
           <a:prstGeom prst="straightConnector1">
